--- a/RedLightRunners.pptx
+++ b/RedLightRunners.pptx
@@ -15,6 +15,7 @@
     <p:sldId id="260" r:id="rId9"/>
     <p:sldId id="264" r:id="rId10"/>
     <p:sldId id="265" r:id="rId11"/>
+    <p:sldId id="266" r:id="rId12"/>
   </p:sldIdLst>
   <p:sldSz cx="12192000" cy="6858000"/>
   <p:notesSz cx="6858000" cy="9144000"/>
@@ -3589,7 +3590,7 @@
         </p:nvSpPr>
         <p:spPr>
           <a:xfrm>
-            <a:off x="1524000" y="3011117"/>
+            <a:off x="1481370" y="2751125"/>
             <a:ext cx="6618051" cy="1355750"/>
           </a:xfrm>
         </p:spPr>
@@ -3625,7 +3626,7 @@
         </p:nvSpPr>
         <p:spPr>
           <a:xfrm>
-            <a:off x="1524000" y="4373823"/>
+            <a:off x="1481370" y="4113831"/>
             <a:ext cx="6618051" cy="911117"/>
           </a:xfrm>
         </p:spPr>
@@ -3637,16 +3638,19 @@
           <a:p>
             <a:pPr algn="l"/>
             <a:r>
-              <a:rPr lang="en-US" sz="2000">
+              <a:rPr lang="en-US" sz="2000" dirty="0">
                 <a:hlinkClick r:id="rId2"/>
               </a:rPr>
               <a:t>https://github.com/buddyp450/RedLightRunners</a:t>
             </a:r>
-            <a:endParaRPr lang="en-US" sz="2000"/>
+            <a:endParaRPr lang="en-US" sz="2000" dirty="0"/>
           </a:p>
           <a:p>
             <a:pPr algn="l"/>
-            <a:endParaRPr lang="en-US" sz="2000"/>
+            <a:r>
+              <a:rPr lang="en-US" sz="2000" dirty="0"/>
+              <a:t>Author: Buddy Patton</a:t>
+            </a:r>
           </a:p>
         </p:txBody>
       </p:sp>
@@ -3981,6 +3985,41 @@
           </a:p>
         </p:txBody>
       </p:sp>
+      <p:sp>
+        <p:nvSpPr>
+          <p:cNvPr id="7" name="TextBox 6">
+            <a:extLst>
+              <a:ext uri="{FF2B5EF4-FFF2-40B4-BE49-F238E27FC236}">
+                <a16:creationId xmlns:a16="http://schemas.microsoft.com/office/drawing/2014/main" id="{205F9525-FBC8-E042-9B09-7AAC8E7F4BD7}"/>
+              </a:ext>
+            </a:extLst>
+          </p:cNvPr>
+          <p:cNvSpPr txBox="1"/>
+          <p:nvPr/>
+        </p:nvSpPr>
+        <p:spPr>
+          <a:xfrm>
+            <a:off x="1481370" y="4840282"/>
+            <a:ext cx="2219093" cy="369332"/>
+          </a:xfrm>
+          <a:prstGeom prst="rect">
+            <a:avLst/>
+          </a:prstGeom>
+          <a:noFill/>
+        </p:spPr>
+        <p:txBody>
+          <a:bodyPr wrap="square" rtlCol="0">
+            <a:spAutoFit/>
+          </a:bodyPr>
+          <a:lstStyle/>
+          <a:p>
+            <a:r>
+              <a:rPr lang="en-US" dirty="0"/>
+              <a:t>NTID:   cpauz</a:t>
+            </a:r>
+          </a:p>
+        </p:txBody>
+      </p:sp>
     </p:spTree>
     <p:extLst>
       <p:ext uri="{BB962C8B-B14F-4D97-AF65-F5344CB8AC3E}">
@@ -4034,7 +4073,7 @@
           <a:p>
             <a:r>
               <a:rPr lang="en-US" dirty="0"/>
-              <a:t>To-dos</a:t>
+              <a:t>Goals:</a:t>
             </a:r>
           </a:p>
         </p:txBody>
@@ -4059,6 +4098,12 @@
         <p:txBody>
           <a:bodyPr/>
           <a:lstStyle/>
+          <a:p>
+            <a:r>
+              <a:rPr lang="en-US" dirty="0"/>
+              <a:t>Learn Docker to utilize existing potential solutions</a:t>
+            </a:r>
+          </a:p>
           <a:p>
             <a:r>
               <a:rPr lang="en-US" dirty="0"/>
@@ -4104,15 +4149,6 @@
               <a:rPr lang="en-US" dirty="0" err="1"/>
               <a:t>visualizatation</a:t>
             </a:r>
-            <a:endParaRPr lang="en-US" dirty="0"/>
-          </a:p>
-          <a:p>
-            <a:pPr marL="0" indent="0">
-              <a:buNone/>
-            </a:pPr>
-            <a:endParaRPr lang="en-US" dirty="0"/>
-          </a:p>
-          <a:p>
             <a:endParaRPr lang="en-US" dirty="0"/>
           </a:p>
           <a:p>
@@ -4133,7 +4169,7 @@
 </p:sld>
 </file>
 
-<file path=ppt/slides/slide2.xml><?xml version="1.0" encoding="utf-8"?>
+<file path=ppt/slides/slide11.xml><?xml version="1.0" encoding="utf-8"?>
 <p:sld xmlns:a="http://schemas.openxmlformats.org/drawingml/2006/main" xmlns:r="http://schemas.openxmlformats.org/officeDocument/2006/relationships" xmlns:p="http://schemas.openxmlformats.org/presentationml/2006/main">
   <p:cSld>
     <p:spTree>
@@ -4155,6 +4191,121 @@
           <p:cNvPr id="2" name="Title 1">
             <a:extLst>
               <a:ext uri="{FF2B5EF4-FFF2-40B4-BE49-F238E27FC236}">
+                <a16:creationId xmlns:a16="http://schemas.microsoft.com/office/drawing/2014/main" id="{7EA51B12-58CF-3942-BDC9-06C0660AEDF4}"/>
+              </a:ext>
+            </a:extLst>
+          </p:cNvPr>
+          <p:cNvSpPr>
+            <a:spLocks noGrp="1"/>
+          </p:cNvSpPr>
+          <p:nvPr>
+            <p:ph type="title"/>
+          </p:nvPr>
+        </p:nvSpPr>
+        <p:spPr/>
+        <p:txBody>
+          <a:bodyPr/>
+          <a:lstStyle/>
+          <a:p>
+            <a:r>
+              <a:rPr lang="en-US" dirty="0"/>
+              <a:t>Acknowledgements</a:t>
+            </a:r>
+          </a:p>
+        </p:txBody>
+      </p:sp>
+      <p:sp>
+        <p:nvSpPr>
+          <p:cNvPr id="3" name="Content Placeholder 2">
+            <a:extLst>
+              <a:ext uri="{FF2B5EF4-FFF2-40B4-BE49-F238E27FC236}">
+                <a16:creationId xmlns:a16="http://schemas.microsoft.com/office/drawing/2014/main" id="{68C84FB2-6ECA-8B48-ACD1-5E4F8EF3F756}"/>
+              </a:ext>
+            </a:extLst>
+          </p:cNvPr>
+          <p:cNvSpPr>
+            <a:spLocks noGrp="1"/>
+          </p:cNvSpPr>
+          <p:nvPr>
+            <p:ph idx="1"/>
+          </p:nvPr>
+        </p:nvSpPr>
+        <p:spPr/>
+        <p:txBody>
+          <a:bodyPr/>
+          <a:lstStyle/>
+          <a:p>
+            <a:r>
+              <a:rPr lang="en-US" dirty="0">
+                <a:hlinkClick r:id="rId2"/>
+              </a:rPr>
+              <a:t>Wear your hats</a:t>
+            </a:r>
+            <a:r>
+              <a:rPr lang="en-US" dirty="0"/>
+              <a:t> (overheard at ADS table)</a:t>
+            </a:r>
+            <a:endParaRPr lang="en-US" dirty="0">
+              <a:hlinkClick r:id="rId3"/>
+            </a:endParaRPr>
+          </a:p>
+          <a:p>
+            <a:r>
+              <a:rPr lang="en-US" dirty="0">
+                <a:hlinkClick r:id="rId3"/>
+              </a:rPr>
+              <a:t>Code for America</a:t>
+            </a:r>
+            <a:endParaRPr lang="en-US" dirty="0"/>
+          </a:p>
+          <a:p>
+            <a:endParaRPr lang="en-US" dirty="0"/>
+          </a:p>
+        </p:txBody>
+      </p:sp>
+    </p:spTree>
+    <p:extLst>
+      <p:ext uri="{BB962C8B-B14F-4D97-AF65-F5344CB8AC3E}">
+        <p14:creationId xmlns:p14="http://schemas.microsoft.com/office/powerpoint/2010/main" val="2983425483"/>
+      </p:ext>
+    </p:extLst>
+  </p:cSld>
+  <p:clrMapOvr>
+    <a:masterClrMapping/>
+  </p:clrMapOvr>
+</p:sld>
+</file>
+
+<file path=ppt/slides/slide2.xml><?xml version="1.0" encoding="utf-8"?>
+<p:sld xmlns:a="http://schemas.openxmlformats.org/drawingml/2006/main" xmlns:r="http://schemas.openxmlformats.org/officeDocument/2006/relationships" xmlns:p="http://schemas.openxmlformats.org/presentationml/2006/main">
+  <p:cSld>
+    <p:bg>
+      <p:bgPr>
+        <a:solidFill>
+          <a:schemeClr val="bg1"/>
+        </a:solidFill>
+        <a:effectLst/>
+      </p:bgPr>
+    </p:bg>
+    <p:spTree>
+      <p:nvGrpSpPr>
+        <p:cNvPr id="1" name=""/>
+        <p:cNvGrpSpPr/>
+        <p:nvPr/>
+      </p:nvGrpSpPr>
+      <p:grpSpPr>
+        <a:xfrm>
+          <a:off x="0" y="0"/>
+          <a:ext cx="0" cy="0"/>
+          <a:chOff x="0" y="0"/>
+          <a:chExt cx="0" cy="0"/>
+        </a:xfrm>
+      </p:grpSpPr>
+      <p:sp>
+        <p:nvSpPr>
+          <p:cNvPr id="2" name="Title 1">
+            <a:extLst>
+              <a:ext uri="{FF2B5EF4-FFF2-40B4-BE49-F238E27FC236}">
                 <a16:creationId xmlns:a16="http://schemas.microsoft.com/office/drawing/2014/main" id="{E740F4DE-9D62-A04F-B1DA-1748F7A74B66}"/>
               </a:ext>
             </a:extLst>
@@ -4166,18 +4317,111 @@
             <p:ph type="title"/>
           </p:nvPr>
         </p:nvSpPr>
-        <p:spPr/>
-        <p:txBody>
-          <a:bodyPr/>
-          <a:lstStyle/>
-          <a:p>
-            <a:r>
-              <a:rPr lang="en-US" dirty="0"/>
+        <p:spPr>
+          <a:xfrm>
+            <a:off x="960100" y="978102"/>
+            <a:ext cx="10588434" cy="1062644"/>
+          </a:xfrm>
+        </p:spPr>
+        <p:txBody>
+          <a:bodyPr anchor="b">
+            <a:normAutofit/>
+          </a:bodyPr>
+          <a:lstStyle/>
+          <a:p>
+            <a:r>
+              <a:rPr lang="en-US"/>
               <a:t>Greensboro - NC</a:t>
             </a:r>
-          </a:p>
-        </p:txBody>
-      </p:sp>
+            <a:endParaRPr lang="en-US" dirty="0"/>
+          </a:p>
+        </p:txBody>
+      </p:sp>
+      <p:cxnSp>
+        <p:nvCxnSpPr>
+          <p:cNvPr id="16" name="Straight Connector 8">
+            <a:extLst>
+              <a:ext uri="{FF2B5EF4-FFF2-40B4-BE49-F238E27FC236}">
+                <a16:creationId xmlns:a16="http://schemas.microsoft.com/office/drawing/2014/main" id="{39B7FDC9-F0CE-43A7-9F2A-83DD09DC3453}"/>
+              </a:ext>
+              <a:ext uri="{C183D7F6-B498-43B3-948B-1728B52AA6E4}">
+                <adec:decorative xmlns:adec="http://schemas.microsoft.com/office/drawing/2017/decorative" val="1"/>
+              </a:ext>
+            </a:extLst>
+          </p:cNvPr>
+          <p:cNvCxnSpPr>
+            <a:cxnSpLocks noGrp="1" noRot="1" noChangeAspect="1" noMove="1" noResize="1" noEditPoints="1" noAdjustHandles="1" noChangeArrowheads="1" noChangeShapeType="1"/>
+          </p:cNvCxnSpPr>
+          <p:nvPr>
+            <p:extLst>
+              <p:ext uri="{386F3935-93C4-4BCD-93E2-E3B085C9AB24}">
+                <p16:designElem xmlns:p16="http://schemas.microsoft.com/office/powerpoint/2015/main" val="1"/>
+              </p:ext>
+            </p:extLst>
+          </p:nvPr>
+        </p:nvCxnSpPr>
+        <p:spPr>
+          <a:xfrm>
+            <a:off x="1047624" y="2265037"/>
+            <a:ext cx="10125012" cy="0"/>
+          </a:xfrm>
+          <a:prstGeom prst="line">
+            <a:avLst/>
+          </a:prstGeom>
+          <a:ln w="15875">
+            <a:solidFill>
+              <a:schemeClr val="tx1">
+                <a:lumMod val="65000"/>
+                <a:lumOff val="35000"/>
+              </a:schemeClr>
+            </a:solidFill>
+          </a:ln>
+        </p:spPr>
+        <p:style>
+          <a:lnRef idx="1">
+            <a:schemeClr val="accent1"/>
+          </a:lnRef>
+          <a:fillRef idx="0">
+            <a:schemeClr val="accent1"/>
+          </a:fillRef>
+          <a:effectRef idx="0">
+            <a:schemeClr val="accent1"/>
+          </a:effectRef>
+          <a:fontRef idx="minor">
+            <a:schemeClr val="tx1"/>
+          </a:fontRef>
+        </p:style>
+      </p:cxnSp>
+      <p:pic>
+        <p:nvPicPr>
+          <p:cNvPr id="4" name="Picture 3">
+            <a:extLst>
+              <a:ext uri="{FF2B5EF4-FFF2-40B4-BE49-F238E27FC236}">
+                <a16:creationId xmlns:a16="http://schemas.microsoft.com/office/drawing/2014/main" id="{AE6F7BDC-3D70-FA44-961A-9BF1EF6CFB4F}"/>
+              </a:ext>
+            </a:extLst>
+          </p:cNvPr>
+          <p:cNvPicPr>
+            <a:picLocks noChangeAspect="1"/>
+          </p:cNvPicPr>
+          <p:nvPr/>
+        </p:nvPicPr>
+        <p:blipFill>
+          <a:blip r:embed="rId2"/>
+          <a:stretch>
+            <a:fillRect/>
+          </a:stretch>
+        </p:blipFill>
+        <p:spPr>
+          <a:xfrm>
+            <a:off x="1333206" y="2811104"/>
+            <a:ext cx="2928114" cy="2928114"/>
+          </a:xfrm>
+          <a:prstGeom prst="rect">
+            <a:avLst/>
+          </a:prstGeom>
+        </p:spPr>
+      </p:pic>
       <p:sp>
         <p:nvSpPr>
           <p:cNvPr id="3" name="Content Placeholder 2">
@@ -4194,31 +4438,38 @@
             <p:ph idx="1"/>
           </p:nvPr>
         </p:nvSpPr>
-        <p:spPr/>
-        <p:txBody>
-          <a:bodyPr/>
-          <a:lstStyle/>
-          <a:p>
-            <a:r>
-              <a:rPr lang="en-US" dirty="0"/>
+        <p:spPr>
+          <a:xfrm>
+            <a:off x="4955354" y="2682433"/>
+            <a:ext cx="6282169" cy="3215749"/>
+          </a:xfrm>
+        </p:spPr>
+        <p:txBody>
+          <a:bodyPr>
+            <a:normAutofit/>
+          </a:bodyPr>
+          <a:lstStyle/>
+          <a:p>
+            <a:r>
+              <a:rPr lang="en-US" sz="2400"/>
               <a:t>Some self observations:</a:t>
             </a:r>
           </a:p>
           <a:p>
             <a:r>
-              <a:rPr lang="en-US" dirty="0"/>
+              <a:rPr lang="en-US" sz="2400"/>
               <a:t>Certain intersections are “known” to be more dangerous than others</a:t>
             </a:r>
           </a:p>
           <a:p>
             <a:r>
-              <a:rPr lang="en-US" dirty="0"/>
+              <a:rPr lang="en-US" sz="2400"/>
               <a:t>Could it be because of a lack of traffic law enforcement?</a:t>
             </a:r>
           </a:p>
           <a:p>
             <a:r>
-              <a:rPr lang="en-US" dirty="0"/>
+              <a:rPr lang="en-US" sz="2400"/>
               <a:t>What could I as a citizen do about it?</a:t>
             </a:r>
           </a:p>
@@ -4277,7 +4528,14 @@
           <a:p>
             <a:r>
               <a:rPr lang="en-US" dirty="0"/>
-              <a:t>FOIA to the rescue!</a:t>
+              <a:t>FOIA to the rescue! </a:t>
+            </a:r>
+            <a:br>
+              <a:rPr lang="en-US" dirty="0"/>
+            </a:br>
+            <a:r>
+              <a:rPr lang="en-US" dirty="0"/>
+              <a:t>(Freedom of Information Act)</a:t>
             </a:r>
           </a:p>
         </p:txBody>
@@ -4304,8 +4562,8 @@
         </p:blipFill>
         <p:spPr>
           <a:xfrm>
-            <a:off x="1777314" y="1619280"/>
-            <a:ext cx="9380838" cy="4873595"/>
+            <a:off x="1777314" y="1915297"/>
+            <a:ext cx="9380838" cy="4577578"/>
           </a:xfrm>
           <a:prstGeom prst="rect">
             <a:avLst/>
